--- a/material/slides/L20.Sensor.Data.Analysis.pptx
+++ b/material/slides/L20.Sensor.Data.Analysis.pptx
@@ -15937,67 +15937,15 @@
           <a:bodyPr/>
           <a:lstStyle/>
           <a:p>
-            <a:pPr>
-              <a:spcBef>
-                <a:spcPts val="1200"/>
-              </a:spcBef>
-            </a:pPr>
+            <a:pPr lvl="0" fontAlgn="base"/>
             <a:r>
-              <a:rPr lang="en-US" sz="2400" dirty="0"/>
-              <a:t>Week 3: Project discussion</a:t>
-            </a:r>
-          </a:p>
-          <a:p>
-            <a:pPr lvl="1">
-              <a:spcBef>
-                <a:spcPts val="1200"/>
-              </a:spcBef>
-            </a:pPr>
-            <a:r>
-              <a:rPr lang="en-US" sz="2000" dirty="0"/>
-              <a:t>Topic identification and group formation</a:t>
-            </a:r>
-          </a:p>
-          <a:p>
-            <a:pPr lvl="1">
-              <a:spcBef>
-                <a:spcPts val="1200"/>
-              </a:spcBef>
-            </a:pPr>
-            <a:r>
-              <a:rPr lang="en-US" sz="2000" dirty="0"/>
-              <a:t>Data collection via questionnaire</a:t>
-            </a:r>
-          </a:p>
-          <a:p>
-            <a:r>
-              <a:rPr lang="en-US" sz="2400" dirty="0"/>
-              <a:t>Week 7: groups presentation – Data collection architecture</a:t>
-            </a:r>
-          </a:p>
-          <a:p>
-            <a:pPr lvl="1"/>
-            <a:r>
-              <a:rPr lang="en-US" sz="2000" dirty="0"/>
-              <a:t>Data </a:t>
+              <a:rPr lang="en-NL" dirty="0"/>
+              <a:t>Describe a use case end-to-end. </a:t>
             </a:r>
             <a:r>
-              <a:rPr lang="en-US" sz="2000" dirty="0" err="1"/>
-              <a:t>analysys</a:t>
+              <a:rPr lang="en-NL"/>
+              <a:t>Maybe the home detection one?</a:t>
             </a:r>
-            <a:endParaRPr lang="en-US" sz="2000" dirty="0"/>
-          </a:p>
-          <a:p>
-            <a:r>
-              <a:rPr lang="en-US" sz="2400" dirty="0"/>
-              <a:t>Week 12: groups presentation – Project results</a:t>
-            </a:r>
-          </a:p>
-          <a:p>
-            <a:pPr marL="63500" indent="0">
-              <a:buNone/>
-            </a:pPr>
-            <a:endParaRPr lang="en-US" sz="2400" dirty="0"/>
           </a:p>
         </p:txBody>
       </p:sp>
@@ -16089,215 +16037,6 @@
                                           <p:spTgt spid="3">
                                             <p:txEl>
                                               <p:pRg st="0" end="0"/>
-                                            </p:txEl>
-                                          </p:spTgt>
-                                        </p:tgtEl>
-                                        <p:attrNameLst>
-                                          <p:attrName>style.visibility</p:attrName>
-                                        </p:attrNameLst>
-                                      </p:cBhvr>
-                                      <p:to>
-                                        <p:strVal val="visible"/>
-                                      </p:to>
-                                    </p:set>
-                                  </p:childTnLst>
-                                </p:cTn>
-                              </p:par>
-                              <p:par>
-                                <p:cTn id="7" presetID="1" presetClass="entr" presetSubtype="0" fill="hold" nodeType="withEffect">
-                                  <p:stCondLst>
-                                    <p:cond delay="0"/>
-                                  </p:stCondLst>
-                                  <p:childTnLst>
-                                    <p:set>
-                                      <p:cBhvr>
-                                        <p:cTn id="8" dur="1" fill="hold">
-                                          <p:stCondLst>
-                                            <p:cond delay="0"/>
-                                          </p:stCondLst>
-                                        </p:cTn>
-                                        <p:tgtEl>
-                                          <p:spTgt spid="3">
-                                            <p:txEl>
-                                              <p:pRg st="1" end="1"/>
-                                            </p:txEl>
-                                          </p:spTgt>
-                                        </p:tgtEl>
-                                        <p:attrNameLst>
-                                          <p:attrName>style.visibility</p:attrName>
-                                        </p:attrNameLst>
-                                      </p:cBhvr>
-                                      <p:to>
-                                        <p:strVal val="visible"/>
-                                      </p:to>
-                                    </p:set>
-                                  </p:childTnLst>
-                                </p:cTn>
-                              </p:par>
-                              <p:par>
-                                <p:cTn id="9" presetID="1" presetClass="entr" presetSubtype="0" fill="hold" nodeType="withEffect">
-                                  <p:stCondLst>
-                                    <p:cond delay="0"/>
-                                  </p:stCondLst>
-                                  <p:childTnLst>
-                                    <p:set>
-                                      <p:cBhvr>
-                                        <p:cTn id="10" dur="1" fill="hold">
-                                          <p:stCondLst>
-                                            <p:cond delay="0"/>
-                                          </p:stCondLst>
-                                        </p:cTn>
-                                        <p:tgtEl>
-                                          <p:spTgt spid="3">
-                                            <p:txEl>
-                                              <p:pRg st="2" end="2"/>
-                                            </p:txEl>
-                                          </p:spTgt>
-                                        </p:tgtEl>
-                                        <p:attrNameLst>
-                                          <p:attrName>style.visibility</p:attrName>
-                                        </p:attrNameLst>
-                                      </p:cBhvr>
-                                      <p:to>
-                                        <p:strVal val="visible"/>
-                                      </p:to>
-                                    </p:set>
-                                  </p:childTnLst>
-                                </p:cTn>
-                              </p:par>
-                            </p:childTnLst>
-                          </p:cTn>
-                        </p:par>
-                      </p:childTnLst>
-                    </p:cTn>
-                  </p:par>
-                  <p:par>
-                    <p:cTn id="11" fill="hold">
-                      <p:stCondLst>
-                        <p:cond delay="indefinite"/>
-                      </p:stCondLst>
-                      <p:childTnLst>
-                        <p:par>
-                          <p:cTn id="12" fill="hold">
-                            <p:stCondLst>
-                              <p:cond delay="0"/>
-                            </p:stCondLst>
-                            <p:childTnLst>
-                              <p:par>
-                                <p:cTn id="13" presetID="1" presetClass="entr" presetSubtype="0" fill="hold" nodeType="clickEffect">
-                                  <p:stCondLst>
-                                    <p:cond delay="0"/>
-                                  </p:stCondLst>
-                                  <p:childTnLst>
-                                    <p:set>
-                                      <p:cBhvr>
-                                        <p:cTn id="14" dur="1" fill="hold">
-                                          <p:stCondLst>
-                                            <p:cond delay="0"/>
-                                          </p:stCondLst>
-                                        </p:cTn>
-                                        <p:tgtEl>
-                                          <p:spTgt spid="3">
-                                            <p:txEl>
-                                              <p:pRg st="3" end="3"/>
-                                            </p:txEl>
-                                          </p:spTgt>
-                                        </p:tgtEl>
-                                        <p:attrNameLst>
-                                          <p:attrName>style.visibility</p:attrName>
-                                        </p:attrNameLst>
-                                      </p:cBhvr>
-                                      <p:to>
-                                        <p:strVal val="visible"/>
-                                      </p:to>
-                                    </p:set>
-                                  </p:childTnLst>
-                                </p:cTn>
-                              </p:par>
-                            </p:childTnLst>
-                          </p:cTn>
-                        </p:par>
-                      </p:childTnLst>
-                    </p:cTn>
-                  </p:par>
-                  <p:par>
-                    <p:cTn id="15" fill="hold">
-                      <p:stCondLst>
-                        <p:cond delay="indefinite"/>
-                      </p:stCondLst>
-                      <p:childTnLst>
-                        <p:par>
-                          <p:cTn id="16" fill="hold">
-                            <p:stCondLst>
-                              <p:cond delay="0"/>
-                            </p:stCondLst>
-                            <p:childTnLst>
-                              <p:par>
-                                <p:cTn id="17" presetID="1" presetClass="entr" presetSubtype="0" fill="hold" nodeType="clickEffect">
-                                  <p:stCondLst>
-                                    <p:cond delay="0"/>
-                                  </p:stCondLst>
-                                  <p:childTnLst>
-                                    <p:set>
-                                      <p:cBhvr>
-                                        <p:cTn id="18" dur="1" fill="hold">
-                                          <p:stCondLst>
-                                            <p:cond delay="0"/>
-                                          </p:stCondLst>
-                                        </p:cTn>
-                                        <p:tgtEl>
-                                          <p:spTgt spid="3">
-                                            <p:txEl>
-                                              <p:pRg st="4" end="4"/>
-                                            </p:txEl>
-                                          </p:spTgt>
-                                        </p:tgtEl>
-                                        <p:attrNameLst>
-                                          <p:attrName>style.visibility</p:attrName>
-                                        </p:attrNameLst>
-                                      </p:cBhvr>
-                                      <p:to>
-                                        <p:strVal val="visible"/>
-                                      </p:to>
-                                    </p:set>
-                                  </p:childTnLst>
-                                </p:cTn>
-                              </p:par>
-                            </p:childTnLst>
-                          </p:cTn>
-                        </p:par>
-                      </p:childTnLst>
-                    </p:cTn>
-                  </p:par>
-                  <p:par>
-                    <p:cTn id="19" fill="hold">
-                      <p:stCondLst>
-                        <p:cond delay="indefinite"/>
-                      </p:stCondLst>
-                      <p:childTnLst>
-                        <p:par>
-                          <p:cTn id="20" fill="hold">
-                            <p:stCondLst>
-                              <p:cond delay="0"/>
-                            </p:stCondLst>
-                            <p:childTnLst>
-                              <p:par>
-                                <p:cTn id="21" presetID="1" presetClass="entr" presetSubtype="0" fill="hold" nodeType="clickEffect">
-                                  <p:stCondLst>
-                                    <p:cond delay="0"/>
-                                  </p:stCondLst>
-                                  <p:childTnLst>
-                                    <p:set>
-                                      <p:cBhvr>
-                                        <p:cTn id="22" dur="1" fill="hold">
-                                          <p:stCondLst>
-                                            <p:cond delay="0"/>
-                                          </p:stCondLst>
-                                        </p:cTn>
-                                        <p:tgtEl>
-                                          <p:spTgt spid="3">
-                                            <p:txEl>
-                                              <p:pRg st="5" end="5"/>
                                             </p:txEl>
                                           </p:spTgt>
                                         </p:tgtEl>
